--- a/Lecture 3 Notes/projection.pptx
+++ b/Lecture 3 Notes/projection.pptx
@@ -8,6 +8,7 @@
     <p:sldId id="256" r:id="rId2"/>
     <p:sldId id="258" r:id="rId3"/>
     <p:sldId id="259" r:id="rId4"/>
+    <p:sldId id="260" r:id="rId5"/>
   </p:sldIdLst>
   <p:sldSz cx="12192000" cy="6858000"/>
   <p:notesSz cx="6858000" cy="9144000"/>
@@ -106,6 +107,11 @@
       </a:defRPr>
     </a:lvl9pPr>
   </p:defaultTextStyle>
+  <p:extLst>
+    <p:ext uri="{EFAFB233-063F-42B5-8137-9DF3F51BA10A}">
+      <p15:sldGuideLst xmlns:p15="http://schemas.microsoft.com/office/powerpoint/2012/main"/>
+    </p:ext>
+  </p:extLst>
 </p:presentation>
 </file>
 
@@ -3344,8 +3350,8 @@
           <a:chExt cx="0" cy="0"/>
         </a:xfrm>
       </p:grpSpPr>
-      <mc:AlternateContent xmlns:mc="http://schemas.openxmlformats.org/markup-compatibility/2006">
-        <mc:Choice xmlns:a14="http://schemas.microsoft.com/office/drawing/2010/main" Requires="a14">
+      <mc:AlternateContent xmlns:mc="http://schemas.openxmlformats.org/markup-compatibility/2006" xmlns:a14="http://schemas.microsoft.com/office/drawing/2010/main">
+        <mc:Choice Requires="a14">
           <p:sp>
             <p:nvSpPr>
               <p:cNvPr id="4" name="Rectangle 3">
@@ -3427,7 +3433,7 @@
             </p:txBody>
           </p:sp>
         </mc:Choice>
-        <mc:Fallback>
+        <mc:Fallback xmlns="">
           <p:sp>
             <p:nvSpPr>
               <p:cNvPr id="4" name="Rectangle 3">
@@ -3472,8 +3478,8 @@
           </p:sp>
         </mc:Fallback>
       </mc:AlternateContent>
-      <mc:AlternateContent xmlns:mc="http://schemas.openxmlformats.org/markup-compatibility/2006">
-        <mc:Choice xmlns:a14="http://schemas.microsoft.com/office/drawing/2010/main" Requires="a14">
+      <mc:AlternateContent xmlns:mc="http://schemas.openxmlformats.org/markup-compatibility/2006" xmlns:a14="http://schemas.microsoft.com/office/drawing/2010/main">
+        <mc:Choice Requires="a14">
           <p:sp>
             <p:nvSpPr>
               <p:cNvPr id="5" name="Rectangle 4">
@@ -3564,7 +3570,7 @@
             </p:txBody>
           </p:sp>
         </mc:Choice>
-        <mc:Fallback>
+        <mc:Fallback xmlns="">
           <p:sp>
             <p:nvSpPr>
               <p:cNvPr id="5" name="Rectangle 4">
@@ -3609,8 +3615,8 @@
           </p:sp>
         </mc:Fallback>
       </mc:AlternateContent>
-      <mc:AlternateContent xmlns:mc="http://schemas.openxmlformats.org/markup-compatibility/2006">
-        <mc:Choice xmlns:a14="http://schemas.microsoft.com/office/drawing/2010/main" Requires="a14">
+      <mc:AlternateContent xmlns:mc="http://schemas.openxmlformats.org/markup-compatibility/2006" xmlns:a14="http://schemas.microsoft.com/office/drawing/2010/main">
+        <mc:Choice Requires="a14">
           <p:sp>
             <p:nvSpPr>
               <p:cNvPr id="6" name="Rectangle 5">
@@ -3692,7 +3698,7 @@
             </p:txBody>
           </p:sp>
         </mc:Choice>
-        <mc:Fallback>
+        <mc:Fallback xmlns="">
           <p:sp>
             <p:nvSpPr>
               <p:cNvPr id="6" name="Rectangle 5">
@@ -3737,8 +3743,8 @@
           </p:sp>
         </mc:Fallback>
       </mc:AlternateContent>
-      <mc:AlternateContent xmlns:mc="http://schemas.openxmlformats.org/markup-compatibility/2006">
-        <mc:Choice xmlns:a14="http://schemas.microsoft.com/office/drawing/2010/main" Requires="a14">
+      <mc:AlternateContent xmlns:mc="http://schemas.openxmlformats.org/markup-compatibility/2006" xmlns:a14="http://schemas.microsoft.com/office/drawing/2010/main">
+        <mc:Choice Requires="a14">
           <p:sp>
             <p:nvSpPr>
               <p:cNvPr id="7" name="Rectangle 6">
@@ -3829,7 +3835,7 @@
             </p:txBody>
           </p:sp>
         </mc:Choice>
-        <mc:Fallback>
+        <mc:Fallback xmlns="">
           <p:sp>
             <p:nvSpPr>
               <p:cNvPr id="7" name="Rectangle 6">
@@ -4642,8 +4648,8 @@
           <a:chExt cx="0" cy="0"/>
         </a:xfrm>
       </p:grpSpPr>
-      <mc:AlternateContent xmlns:mc="http://schemas.openxmlformats.org/markup-compatibility/2006">
-        <mc:Choice xmlns:a14="http://schemas.microsoft.com/office/drawing/2010/main" Requires="a14">
+      <mc:AlternateContent xmlns:mc="http://schemas.openxmlformats.org/markup-compatibility/2006" xmlns:a14="http://schemas.microsoft.com/office/drawing/2010/main">
+        <mc:Choice Requires="a14">
           <p:sp>
             <p:nvSpPr>
               <p:cNvPr id="4" name="Rectangle 3">
@@ -4725,7 +4731,7 @@
             </p:txBody>
           </p:sp>
         </mc:Choice>
-        <mc:Fallback>
+        <mc:Fallback xmlns="">
           <p:sp>
             <p:nvSpPr>
               <p:cNvPr id="4" name="Rectangle 3">
@@ -4770,8 +4776,8 @@
           </p:sp>
         </mc:Fallback>
       </mc:AlternateContent>
-      <mc:AlternateContent xmlns:mc="http://schemas.openxmlformats.org/markup-compatibility/2006">
-        <mc:Choice xmlns:a14="http://schemas.microsoft.com/office/drawing/2010/main" Requires="a14">
+      <mc:AlternateContent xmlns:mc="http://schemas.openxmlformats.org/markup-compatibility/2006" xmlns:a14="http://schemas.microsoft.com/office/drawing/2010/main">
+        <mc:Choice Requires="a14">
           <p:sp>
             <p:nvSpPr>
               <p:cNvPr id="5" name="Rectangle 4">
@@ -4862,7 +4868,7 @@
             </p:txBody>
           </p:sp>
         </mc:Choice>
-        <mc:Fallback>
+        <mc:Fallback xmlns="">
           <p:sp>
             <p:nvSpPr>
               <p:cNvPr id="5" name="Rectangle 4">
@@ -4907,8 +4913,8 @@
           </p:sp>
         </mc:Fallback>
       </mc:AlternateContent>
-      <mc:AlternateContent xmlns:mc="http://schemas.openxmlformats.org/markup-compatibility/2006">
-        <mc:Choice xmlns:a14="http://schemas.microsoft.com/office/drawing/2010/main" Requires="a14">
+      <mc:AlternateContent xmlns:mc="http://schemas.openxmlformats.org/markup-compatibility/2006" xmlns:a14="http://schemas.microsoft.com/office/drawing/2010/main">
+        <mc:Choice Requires="a14">
           <p:sp>
             <p:nvSpPr>
               <p:cNvPr id="6" name="Rectangle 5">
@@ -4990,7 +4996,7 @@
             </p:txBody>
           </p:sp>
         </mc:Choice>
-        <mc:Fallback>
+        <mc:Fallback xmlns="">
           <p:sp>
             <p:nvSpPr>
               <p:cNvPr id="6" name="Rectangle 5">
@@ -5035,8 +5041,8 @@
           </p:sp>
         </mc:Fallback>
       </mc:AlternateContent>
-      <mc:AlternateContent xmlns:mc="http://schemas.openxmlformats.org/markup-compatibility/2006">
-        <mc:Choice xmlns:a14="http://schemas.microsoft.com/office/drawing/2010/main" Requires="a14">
+      <mc:AlternateContent xmlns:mc="http://schemas.openxmlformats.org/markup-compatibility/2006" xmlns:a14="http://schemas.microsoft.com/office/drawing/2010/main">
+        <mc:Choice Requires="a14">
           <p:sp>
             <p:nvSpPr>
               <p:cNvPr id="7" name="Rectangle 6">
@@ -5127,7 +5133,7 @@
             </p:txBody>
           </p:sp>
         </mc:Choice>
-        <mc:Fallback>
+        <mc:Fallback xmlns="">
           <p:sp>
             <p:nvSpPr>
               <p:cNvPr id="7" name="Rectangle 6">
@@ -6090,8 +6096,8 @@
           </a:fontRef>
         </p:style>
       </p:cxnSp>
-      <mc:AlternateContent xmlns:mc="http://schemas.openxmlformats.org/markup-compatibility/2006">
-        <mc:Choice xmlns:a14="http://schemas.microsoft.com/office/drawing/2010/main" Requires="a14">
+      <mc:AlternateContent xmlns:mc="http://schemas.openxmlformats.org/markup-compatibility/2006" xmlns:a14="http://schemas.microsoft.com/office/drawing/2010/main">
+        <mc:Choice Requires="a14">
           <p:sp>
             <p:nvSpPr>
               <p:cNvPr id="39" name="Rectangle 38">
@@ -6182,7 +6188,7 @@
             </p:txBody>
           </p:sp>
         </mc:Choice>
-        <mc:Fallback>
+        <mc:Fallback xmlns="">
           <p:sp>
             <p:nvSpPr>
               <p:cNvPr id="39" name="Rectangle 38">
@@ -6227,8 +6233,8 @@
           </p:sp>
         </mc:Fallback>
       </mc:AlternateContent>
-      <mc:AlternateContent xmlns:mc="http://schemas.openxmlformats.org/markup-compatibility/2006">
-        <mc:Choice xmlns:a14="http://schemas.microsoft.com/office/drawing/2010/main" Requires="a14">
+      <mc:AlternateContent xmlns:mc="http://schemas.openxmlformats.org/markup-compatibility/2006" xmlns:a14="http://schemas.microsoft.com/office/drawing/2010/main">
+        <mc:Choice Requires="a14">
           <p:sp>
             <p:nvSpPr>
               <p:cNvPr id="40" name="Rectangle 39">
@@ -6319,7 +6325,7 @@
             </p:txBody>
           </p:sp>
         </mc:Choice>
-        <mc:Fallback>
+        <mc:Fallback xmlns="">
           <p:sp>
             <p:nvSpPr>
               <p:cNvPr id="40" name="Rectangle 39">
@@ -6486,8 +6492,8 @@
           <a:chExt cx="0" cy="0"/>
         </a:xfrm>
       </p:grpSpPr>
-      <mc:AlternateContent xmlns:mc="http://schemas.openxmlformats.org/markup-compatibility/2006">
-        <mc:Choice xmlns:a14="http://schemas.microsoft.com/office/drawing/2010/main" Requires="a14">
+      <mc:AlternateContent xmlns:mc="http://schemas.openxmlformats.org/markup-compatibility/2006" xmlns:a14="http://schemas.microsoft.com/office/drawing/2010/main">
+        <mc:Choice Requires="a14">
           <p:sp>
             <p:nvSpPr>
               <p:cNvPr id="4" name="Rectangle 3">
@@ -6569,7 +6575,7 @@
             </p:txBody>
           </p:sp>
         </mc:Choice>
-        <mc:Fallback>
+        <mc:Fallback xmlns="">
           <p:sp>
             <p:nvSpPr>
               <p:cNvPr id="4" name="Rectangle 3">
@@ -6614,8 +6620,8 @@
           </p:sp>
         </mc:Fallback>
       </mc:AlternateContent>
-      <mc:AlternateContent xmlns:mc="http://schemas.openxmlformats.org/markup-compatibility/2006">
-        <mc:Choice xmlns:a14="http://schemas.microsoft.com/office/drawing/2010/main" Requires="a14">
+      <mc:AlternateContent xmlns:mc="http://schemas.openxmlformats.org/markup-compatibility/2006" xmlns:a14="http://schemas.microsoft.com/office/drawing/2010/main">
+        <mc:Choice Requires="a14">
           <p:sp>
             <p:nvSpPr>
               <p:cNvPr id="5" name="Rectangle 4">
@@ -6706,7 +6712,7 @@
             </p:txBody>
           </p:sp>
         </mc:Choice>
-        <mc:Fallback>
+        <mc:Fallback xmlns="">
           <p:sp>
             <p:nvSpPr>
               <p:cNvPr id="5" name="Rectangle 4">
@@ -6751,8 +6757,8 @@
           </p:sp>
         </mc:Fallback>
       </mc:AlternateContent>
-      <mc:AlternateContent xmlns:mc="http://schemas.openxmlformats.org/markup-compatibility/2006">
-        <mc:Choice xmlns:a14="http://schemas.microsoft.com/office/drawing/2010/main" Requires="a14">
+      <mc:AlternateContent xmlns:mc="http://schemas.openxmlformats.org/markup-compatibility/2006" xmlns:a14="http://schemas.microsoft.com/office/drawing/2010/main">
+        <mc:Choice Requires="a14">
           <p:sp>
             <p:nvSpPr>
               <p:cNvPr id="6" name="Rectangle 5">
@@ -6834,7 +6840,7 @@
             </p:txBody>
           </p:sp>
         </mc:Choice>
-        <mc:Fallback>
+        <mc:Fallback xmlns="">
           <p:sp>
             <p:nvSpPr>
               <p:cNvPr id="6" name="Rectangle 5">
@@ -6879,8 +6885,8 @@
           </p:sp>
         </mc:Fallback>
       </mc:AlternateContent>
-      <mc:AlternateContent xmlns:mc="http://schemas.openxmlformats.org/markup-compatibility/2006">
-        <mc:Choice xmlns:a14="http://schemas.microsoft.com/office/drawing/2010/main" Requires="a14">
+      <mc:AlternateContent xmlns:mc="http://schemas.openxmlformats.org/markup-compatibility/2006" xmlns:a14="http://schemas.microsoft.com/office/drawing/2010/main">
+        <mc:Choice Requires="a14">
           <p:sp>
             <p:nvSpPr>
               <p:cNvPr id="7" name="Rectangle 6">
@@ -6971,7 +6977,7 @@
             </p:txBody>
           </p:sp>
         </mc:Choice>
-        <mc:Fallback>
+        <mc:Fallback xmlns="">
           <p:sp>
             <p:nvSpPr>
               <p:cNvPr id="7" name="Rectangle 6">
@@ -7754,8 +7760,8 @@
           </a:prstGeom>
         </p:spPr>
       </p:pic>
-      <mc:AlternateContent xmlns:mc="http://schemas.openxmlformats.org/markup-compatibility/2006">
-        <mc:Choice xmlns:a14="http://schemas.microsoft.com/office/drawing/2010/main" Requires="a14">
+      <mc:AlternateContent xmlns:mc="http://schemas.openxmlformats.org/markup-compatibility/2006" xmlns:a14="http://schemas.microsoft.com/office/drawing/2010/main">
+        <mc:Choice Requires="a14">
           <p:sp>
             <p:nvSpPr>
               <p:cNvPr id="39" name="Rectangle 38">
@@ -7846,7 +7852,7 @@
             </p:txBody>
           </p:sp>
         </mc:Choice>
-        <mc:Fallback>
+        <mc:Fallback xmlns="">
           <p:sp>
             <p:nvSpPr>
               <p:cNvPr id="39" name="Rectangle 38">
@@ -7891,8 +7897,8 @@
           </p:sp>
         </mc:Fallback>
       </mc:AlternateContent>
-      <mc:AlternateContent xmlns:mc="http://schemas.openxmlformats.org/markup-compatibility/2006">
-        <mc:Choice xmlns:a14="http://schemas.microsoft.com/office/drawing/2010/main" Requires="a14">
+      <mc:AlternateContent xmlns:mc="http://schemas.openxmlformats.org/markup-compatibility/2006" xmlns:a14="http://schemas.microsoft.com/office/drawing/2010/main">
+        <mc:Choice Requires="a14">
           <p:sp>
             <p:nvSpPr>
               <p:cNvPr id="40" name="Rectangle 39">
@@ -7983,7 +7989,7 @@
             </p:txBody>
           </p:sp>
         </mc:Choice>
-        <mc:Fallback>
+        <mc:Fallback xmlns="">
           <p:sp>
             <p:nvSpPr>
               <p:cNvPr id="40" name="Rectangle 39">
@@ -8267,8 +8273,8 @@
           </a:p>
         </p:txBody>
       </p:sp>
-      <mc:AlternateContent xmlns:mc="http://schemas.openxmlformats.org/markup-compatibility/2006">
-        <mc:Choice xmlns:a14="http://schemas.microsoft.com/office/drawing/2010/main" Requires="a14">
+      <mc:AlternateContent xmlns:mc="http://schemas.openxmlformats.org/markup-compatibility/2006" xmlns:a14="http://schemas.microsoft.com/office/drawing/2010/main">
+        <mc:Choice Requires="a14">
           <p:sp>
             <p:nvSpPr>
               <p:cNvPr id="24" name="TextBox 23">
@@ -8374,7 +8380,7 @@
             </p:txBody>
           </p:sp>
         </mc:Choice>
-        <mc:Fallback>
+        <mc:Fallback xmlns="">
           <p:sp>
             <p:nvSpPr>
               <p:cNvPr id="24" name="TextBox 23">
@@ -8423,6 +8429,1652 @@
     <p:extLst>
       <p:ext uri="{BB962C8B-B14F-4D97-AF65-F5344CB8AC3E}">
         <p14:creationId xmlns:p14="http://schemas.microsoft.com/office/powerpoint/2010/main" val="2081674110"/>
+      </p:ext>
+    </p:extLst>
+  </p:cSld>
+  <p:clrMapOvr>
+    <a:masterClrMapping/>
+  </p:clrMapOvr>
+</p:sld>
+</file>
+
+<file path=ppt/slides/slide4.xml><?xml version="1.0" encoding="utf-8"?>
+<p:sld xmlns:a="http://schemas.openxmlformats.org/drawingml/2006/main" xmlns:r="http://schemas.openxmlformats.org/officeDocument/2006/relationships" xmlns:p="http://schemas.openxmlformats.org/presentationml/2006/main">
+  <p:cSld>
+    <p:spTree>
+      <p:nvGrpSpPr>
+        <p:cNvPr id="1" name=""/>
+        <p:cNvGrpSpPr/>
+        <p:nvPr/>
+      </p:nvGrpSpPr>
+      <p:grpSpPr>
+        <a:xfrm>
+          <a:off x="0" y="0"/>
+          <a:ext cx="0" cy="0"/>
+          <a:chOff x="0" y="0"/>
+          <a:chExt cx="0" cy="0"/>
+        </a:xfrm>
+      </p:grpSpPr>
+      <mc:AlternateContent xmlns:mc="http://schemas.openxmlformats.org/markup-compatibility/2006" xmlns:a14="http://schemas.microsoft.com/office/drawing/2010/main">
+        <mc:Choice Requires="a14">
+          <p:sp>
+            <p:nvSpPr>
+              <p:cNvPr id="4" name="Rectangle 3">
+                <a:extLst>
+                  <a:ext uri="{FF2B5EF4-FFF2-40B4-BE49-F238E27FC236}">
+                    <a16:creationId xmlns:a16="http://schemas.microsoft.com/office/drawing/2014/main" id="{7999329B-79A7-4AAC-86B6-6CEF4C4230F0}"/>
+                  </a:ext>
+                </a:extLst>
+              </p:cNvPr>
+              <p:cNvSpPr/>
+              <p:nvPr/>
+            </p:nvSpPr>
+            <p:spPr>
+              <a:xfrm>
+                <a:off x="2956264" y="791592"/>
+                <a:ext cx="1633491" cy="1125986"/>
+              </a:xfrm>
+              <a:prstGeom prst="rect">
+                <a:avLst/>
+              </a:prstGeom>
+            </p:spPr>
+            <p:style>
+              <a:lnRef idx="2">
+                <a:schemeClr val="accent1">
+                  <a:shade val="50000"/>
+                </a:schemeClr>
+              </a:lnRef>
+              <a:fillRef idx="1">
+                <a:schemeClr val="accent1"/>
+              </a:fillRef>
+              <a:effectRef idx="0">
+                <a:schemeClr val="accent1"/>
+              </a:effectRef>
+              <a:fontRef idx="minor">
+                <a:schemeClr val="lt1"/>
+              </a:fontRef>
+            </p:style>
+            <p:txBody>
+              <a:bodyPr rtlCol="0" anchor="ctr"/>
+              <a:lstStyle/>
+              <a:p>
+                <a:pPr algn="ctr"/>
+                <a14:m>
+                  <m:oMathPara xmlns:m="http://schemas.openxmlformats.org/officeDocument/2006/math">
+                    <m:oMathParaPr>
+                      <m:jc m:val="centerGroup"/>
+                    </m:oMathParaPr>
+                    <m:oMath xmlns:m="http://schemas.openxmlformats.org/officeDocument/2006/math">
+                      <m:sSub>
+                        <m:sSubPr>
+                          <m:ctrlPr>
+                            <a:rPr lang="en-GB" sz="4000" i="1" smtClean="0">
+                              <a:latin typeface="Cambria Math" panose="02040503050406030204" pitchFamily="18" charset="0"/>
+                            </a:rPr>
+                          </m:ctrlPr>
+                        </m:sSubPr>
+                        <m:e>
+                          <m:r>
+                            <a:rPr lang="en-US" sz="4000" b="0" i="1" smtClean="0">
+                              <a:latin typeface="Cambria Math" panose="02040503050406030204" pitchFamily="18" charset="0"/>
+                            </a:rPr>
+                            <m:t>𝐸𝑁</m:t>
+                          </m:r>
+                        </m:e>
+                        <m:sub>
+                          <m:r>
+                            <a:rPr lang="en-US" sz="4000" b="0" i="1" smtClean="0">
+                              <a:latin typeface="Cambria Math" panose="02040503050406030204" pitchFamily="18" charset="0"/>
+                            </a:rPr>
+                            <m:t>𝑋</m:t>
+                          </m:r>
+                        </m:sub>
+                      </m:sSub>
+                    </m:oMath>
+                  </m:oMathPara>
+                </a14:m>
+                <a:endParaRPr lang="en-GB" sz="4000" dirty="0"/>
+              </a:p>
+            </p:txBody>
+          </p:sp>
+        </mc:Choice>
+        <mc:Fallback xmlns="">
+          <p:sp>
+            <p:nvSpPr>
+              <p:cNvPr id="4" name="Rectangle 3">
+                <a:extLst>
+                  <a:ext uri="{FF2B5EF4-FFF2-40B4-BE49-F238E27FC236}">
+                    <a16:creationId xmlns:a16="http://schemas.microsoft.com/office/drawing/2014/main" id="{7999329B-79A7-4AAC-86B6-6CEF4C4230F0}"/>
+                  </a:ext>
+                </a:extLst>
+              </p:cNvPr>
+              <p:cNvSpPr>
+                <a:spLocks noRot="1" noChangeAspect="1" noMove="1" noResize="1" noEditPoints="1" noAdjustHandles="1" noChangeArrowheads="1" noChangeShapeType="1" noTextEdit="1"/>
+              </p:cNvSpPr>
+              <p:nvPr/>
+            </p:nvSpPr>
+            <p:spPr>
+              <a:xfrm>
+                <a:off x="2956264" y="791592"/>
+                <a:ext cx="1633491" cy="1125986"/>
+              </a:xfrm>
+              <a:prstGeom prst="rect">
+                <a:avLst/>
+              </a:prstGeom>
+              <a:blipFill>
+                <a:blip r:embed="rId2"/>
+                <a:stretch>
+                  <a:fillRect/>
+                </a:stretch>
+              </a:blipFill>
+            </p:spPr>
+            <p:txBody>
+              <a:bodyPr/>
+              <a:lstStyle/>
+              <a:p>
+                <a:r>
+                  <a:rPr lang="en-GB">
+                    <a:noFill/>
+                  </a:rPr>
+                  <a:t> </a:t>
+                </a:r>
+              </a:p>
+            </p:txBody>
+          </p:sp>
+        </mc:Fallback>
+      </mc:AlternateContent>
+      <mc:AlternateContent xmlns:mc="http://schemas.openxmlformats.org/markup-compatibility/2006" xmlns:a14="http://schemas.microsoft.com/office/drawing/2010/main">
+        <mc:Choice Requires="a14">
+          <p:sp>
+            <p:nvSpPr>
+              <p:cNvPr id="5" name="Rectangle 4">
+                <a:extLst>
+                  <a:ext uri="{FF2B5EF4-FFF2-40B4-BE49-F238E27FC236}">
+                    <a16:creationId xmlns:a16="http://schemas.microsoft.com/office/drawing/2014/main" id="{DD337795-4E7C-40B3-89D7-E3074F7930D8}"/>
+                  </a:ext>
+                </a:extLst>
+              </p:cNvPr>
+              <p:cNvSpPr/>
+              <p:nvPr/>
+            </p:nvSpPr>
+            <p:spPr>
+              <a:xfrm>
+                <a:off x="6446406" y="791592"/>
+                <a:ext cx="1633491" cy="1125986"/>
+              </a:xfrm>
+              <a:prstGeom prst="rect">
+                <a:avLst/>
+              </a:prstGeom>
+            </p:spPr>
+            <p:style>
+              <a:lnRef idx="2">
+                <a:schemeClr val="accent1">
+                  <a:shade val="50000"/>
+                </a:schemeClr>
+              </a:lnRef>
+              <a:fillRef idx="1">
+                <a:schemeClr val="accent1"/>
+              </a:fillRef>
+              <a:effectRef idx="0">
+                <a:schemeClr val="accent1"/>
+              </a:effectRef>
+              <a:fontRef idx="minor">
+                <a:schemeClr val="lt1"/>
+              </a:fontRef>
+            </p:style>
+            <p:txBody>
+              <a:bodyPr rtlCol="0" anchor="ctr"/>
+              <a:lstStyle/>
+              <a:p>
+                <a:pPr algn="ctr"/>
+                <a14:m>
+                  <m:oMathPara xmlns:m="http://schemas.openxmlformats.org/officeDocument/2006/math">
+                    <m:oMathParaPr>
+                      <m:jc m:val="centerGroup"/>
+                    </m:oMathParaPr>
+                    <m:oMath xmlns:m="http://schemas.openxmlformats.org/officeDocument/2006/math">
+                      <m:sSub>
+                        <m:sSubPr>
+                          <m:ctrlPr>
+                            <a:rPr lang="en-GB" sz="4000" i="1" smtClean="0">
+                              <a:solidFill>
+                                <a:prstClr val="white"/>
+                              </a:solidFill>
+                              <a:latin typeface="Cambria Math" panose="02040503050406030204" pitchFamily="18" charset="0"/>
+                            </a:rPr>
+                          </m:ctrlPr>
+                        </m:sSubPr>
+                        <m:e>
+                          <m:r>
+                            <a:rPr lang="en-US" sz="4000" b="0" i="1" smtClean="0">
+                              <a:solidFill>
+                                <a:prstClr val="white"/>
+                              </a:solidFill>
+                              <a:latin typeface="Cambria Math" panose="02040503050406030204" pitchFamily="18" charset="0"/>
+                            </a:rPr>
+                            <m:t>𝐷𝐸</m:t>
+                          </m:r>
+                        </m:e>
+                        <m:sub>
+                          <m:r>
+                            <a:rPr lang="en-US" sz="4000" i="1">
+                              <a:solidFill>
+                                <a:prstClr val="white"/>
+                              </a:solidFill>
+                              <a:latin typeface="Cambria Math" panose="02040503050406030204" pitchFamily="18" charset="0"/>
+                            </a:rPr>
+                            <m:t>𝑋</m:t>
+                          </m:r>
+                        </m:sub>
+                      </m:sSub>
+                    </m:oMath>
+                  </m:oMathPara>
+                </a14:m>
+                <a:endParaRPr lang="en-GB" dirty="0"/>
+              </a:p>
+            </p:txBody>
+          </p:sp>
+        </mc:Choice>
+        <mc:Fallback xmlns="">
+          <p:sp>
+            <p:nvSpPr>
+              <p:cNvPr id="5" name="Rectangle 4">
+                <a:extLst>
+                  <a:ext uri="{FF2B5EF4-FFF2-40B4-BE49-F238E27FC236}">
+                    <a16:creationId xmlns:a16="http://schemas.microsoft.com/office/drawing/2014/main" id="{DD337795-4E7C-40B3-89D7-E3074F7930D8}"/>
+                  </a:ext>
+                </a:extLst>
+              </p:cNvPr>
+              <p:cNvSpPr>
+                <a:spLocks noRot="1" noChangeAspect="1" noMove="1" noResize="1" noEditPoints="1" noAdjustHandles="1" noChangeArrowheads="1" noChangeShapeType="1" noTextEdit="1"/>
+              </p:cNvSpPr>
+              <p:nvPr/>
+            </p:nvSpPr>
+            <p:spPr>
+              <a:xfrm>
+                <a:off x="6446406" y="791592"/>
+                <a:ext cx="1633491" cy="1125986"/>
+              </a:xfrm>
+              <a:prstGeom prst="rect">
+                <a:avLst/>
+              </a:prstGeom>
+              <a:blipFill>
+                <a:blip r:embed="rId3"/>
+                <a:stretch>
+                  <a:fillRect/>
+                </a:stretch>
+              </a:blipFill>
+            </p:spPr>
+            <p:txBody>
+              <a:bodyPr/>
+              <a:lstStyle/>
+              <a:p>
+                <a:r>
+                  <a:rPr lang="en-GB">
+                    <a:noFill/>
+                  </a:rPr>
+                  <a:t> </a:t>
+                </a:r>
+              </a:p>
+            </p:txBody>
+          </p:sp>
+        </mc:Fallback>
+      </mc:AlternateContent>
+      <mc:AlternateContent xmlns:mc="http://schemas.openxmlformats.org/markup-compatibility/2006" xmlns:a14="http://schemas.microsoft.com/office/drawing/2010/main">
+        <mc:Choice Requires="a14">
+          <p:sp>
+            <p:nvSpPr>
+              <p:cNvPr id="6" name="Rectangle 5">
+                <a:extLst>
+                  <a:ext uri="{FF2B5EF4-FFF2-40B4-BE49-F238E27FC236}">
+                    <a16:creationId xmlns:a16="http://schemas.microsoft.com/office/drawing/2014/main" id="{589BB664-D068-493C-8020-42A707400EED}"/>
+                  </a:ext>
+                </a:extLst>
+              </p:cNvPr>
+              <p:cNvSpPr/>
+              <p:nvPr/>
+            </p:nvSpPr>
+            <p:spPr>
+              <a:xfrm>
+                <a:off x="2956264" y="2866007"/>
+                <a:ext cx="1633491" cy="1125986"/>
+              </a:xfrm>
+              <a:prstGeom prst="rect">
+                <a:avLst/>
+              </a:prstGeom>
+            </p:spPr>
+            <p:style>
+              <a:lnRef idx="2">
+                <a:schemeClr val="accent6">
+                  <a:shade val="50000"/>
+                </a:schemeClr>
+              </a:lnRef>
+              <a:fillRef idx="1">
+                <a:schemeClr val="accent6"/>
+              </a:fillRef>
+              <a:effectRef idx="0">
+                <a:schemeClr val="accent6"/>
+              </a:effectRef>
+              <a:fontRef idx="minor">
+                <a:schemeClr val="lt1"/>
+              </a:fontRef>
+            </p:style>
+            <p:txBody>
+              <a:bodyPr rtlCol="0" anchor="ctr"/>
+              <a:lstStyle/>
+              <a:p>
+                <a:pPr algn="ctr"/>
+                <a14:m>
+                  <m:oMathPara xmlns:m="http://schemas.openxmlformats.org/officeDocument/2006/math">
+                    <m:oMathParaPr>
+                      <m:jc m:val="centerGroup"/>
+                    </m:oMathParaPr>
+                    <m:oMath xmlns:m="http://schemas.openxmlformats.org/officeDocument/2006/math">
+                      <m:sSub>
+                        <m:sSubPr>
+                          <m:ctrlPr>
+                            <a:rPr lang="en-GB" sz="4000" i="1" smtClean="0">
+                              <a:latin typeface="Cambria Math" panose="02040503050406030204" pitchFamily="18" charset="0"/>
+                            </a:rPr>
+                          </m:ctrlPr>
+                        </m:sSubPr>
+                        <m:e>
+                          <m:r>
+                            <a:rPr lang="en-US" sz="4000" b="0" i="1" smtClean="0">
+                              <a:latin typeface="Cambria Math" panose="02040503050406030204" pitchFamily="18" charset="0"/>
+                            </a:rPr>
+                            <m:t>𝐸𝑁</m:t>
+                          </m:r>
+                        </m:e>
+                        <m:sub>
+                          <m:r>
+                            <a:rPr lang="en-US" sz="4000" b="0" i="1" smtClean="0">
+                              <a:latin typeface="Cambria Math" panose="02040503050406030204" pitchFamily="18" charset="0"/>
+                            </a:rPr>
+                            <m:t>𝑌</m:t>
+                          </m:r>
+                        </m:sub>
+                      </m:sSub>
+                    </m:oMath>
+                  </m:oMathPara>
+                </a14:m>
+                <a:endParaRPr lang="en-GB" sz="4000" dirty="0"/>
+              </a:p>
+            </p:txBody>
+          </p:sp>
+        </mc:Choice>
+        <mc:Fallback xmlns="">
+          <p:sp>
+            <p:nvSpPr>
+              <p:cNvPr id="6" name="Rectangle 5">
+                <a:extLst>
+                  <a:ext uri="{FF2B5EF4-FFF2-40B4-BE49-F238E27FC236}">
+                    <a16:creationId xmlns:a16="http://schemas.microsoft.com/office/drawing/2014/main" id="{589BB664-D068-493C-8020-42A707400EED}"/>
+                  </a:ext>
+                </a:extLst>
+              </p:cNvPr>
+              <p:cNvSpPr>
+                <a:spLocks noRot="1" noChangeAspect="1" noMove="1" noResize="1" noEditPoints="1" noAdjustHandles="1" noChangeArrowheads="1" noChangeShapeType="1" noTextEdit="1"/>
+              </p:cNvSpPr>
+              <p:nvPr/>
+            </p:nvSpPr>
+            <p:spPr>
+              <a:xfrm>
+                <a:off x="2956264" y="2866007"/>
+                <a:ext cx="1633491" cy="1125986"/>
+              </a:xfrm>
+              <a:prstGeom prst="rect">
+                <a:avLst/>
+              </a:prstGeom>
+              <a:blipFill>
+                <a:blip r:embed="rId4"/>
+                <a:stretch>
+                  <a:fillRect/>
+                </a:stretch>
+              </a:blipFill>
+            </p:spPr>
+            <p:txBody>
+              <a:bodyPr/>
+              <a:lstStyle/>
+              <a:p>
+                <a:r>
+                  <a:rPr lang="en-GB">
+                    <a:noFill/>
+                  </a:rPr>
+                  <a:t> </a:t>
+                </a:r>
+              </a:p>
+            </p:txBody>
+          </p:sp>
+        </mc:Fallback>
+      </mc:AlternateContent>
+      <mc:AlternateContent xmlns:mc="http://schemas.openxmlformats.org/markup-compatibility/2006" xmlns:a14="http://schemas.microsoft.com/office/drawing/2010/main">
+        <mc:Choice Requires="a14">
+          <p:sp>
+            <p:nvSpPr>
+              <p:cNvPr id="7" name="Rectangle 6">
+                <a:extLst>
+                  <a:ext uri="{FF2B5EF4-FFF2-40B4-BE49-F238E27FC236}">
+                    <a16:creationId xmlns:a16="http://schemas.microsoft.com/office/drawing/2014/main" id="{E9C1D9B0-BCB3-4D8C-AF5B-59023F559204}"/>
+                  </a:ext>
+                </a:extLst>
+              </p:cNvPr>
+              <p:cNvSpPr/>
+              <p:nvPr/>
+            </p:nvSpPr>
+            <p:spPr>
+              <a:xfrm>
+                <a:off x="6510293" y="2866007"/>
+                <a:ext cx="1633491" cy="1125986"/>
+              </a:xfrm>
+              <a:prstGeom prst="rect">
+                <a:avLst/>
+              </a:prstGeom>
+            </p:spPr>
+            <p:style>
+              <a:lnRef idx="2">
+                <a:schemeClr val="accent6">
+                  <a:shade val="50000"/>
+                </a:schemeClr>
+              </a:lnRef>
+              <a:fillRef idx="1">
+                <a:schemeClr val="accent6"/>
+              </a:fillRef>
+              <a:effectRef idx="0">
+                <a:schemeClr val="accent6"/>
+              </a:effectRef>
+              <a:fontRef idx="minor">
+                <a:schemeClr val="lt1"/>
+              </a:fontRef>
+            </p:style>
+            <p:txBody>
+              <a:bodyPr rtlCol="0" anchor="ctr"/>
+              <a:lstStyle/>
+              <a:p>
+                <a:pPr algn="ctr"/>
+                <a14:m>
+                  <m:oMathPara xmlns:m="http://schemas.openxmlformats.org/officeDocument/2006/math">
+                    <m:oMathParaPr>
+                      <m:jc m:val="centerGroup"/>
+                    </m:oMathParaPr>
+                    <m:oMath xmlns:m="http://schemas.openxmlformats.org/officeDocument/2006/math">
+                      <m:sSub>
+                        <m:sSubPr>
+                          <m:ctrlPr>
+                            <a:rPr lang="en-GB" sz="4000" i="1" smtClean="0">
+                              <a:solidFill>
+                                <a:prstClr val="white"/>
+                              </a:solidFill>
+                              <a:latin typeface="Cambria Math" panose="02040503050406030204" pitchFamily="18" charset="0"/>
+                            </a:rPr>
+                          </m:ctrlPr>
+                        </m:sSubPr>
+                        <m:e>
+                          <m:r>
+                            <a:rPr lang="en-US" sz="4000" b="0" i="1" smtClean="0">
+                              <a:solidFill>
+                                <a:prstClr val="white"/>
+                              </a:solidFill>
+                              <a:latin typeface="Cambria Math" panose="02040503050406030204" pitchFamily="18" charset="0"/>
+                            </a:rPr>
+                            <m:t>𝐷𝐸</m:t>
+                          </m:r>
+                        </m:e>
+                        <m:sub>
+                          <m:r>
+                            <a:rPr lang="en-US" sz="4000" b="0" i="1" smtClean="0">
+                              <a:solidFill>
+                                <a:prstClr val="white"/>
+                              </a:solidFill>
+                              <a:latin typeface="Cambria Math" panose="02040503050406030204" pitchFamily="18" charset="0"/>
+                            </a:rPr>
+                            <m:t>𝑌</m:t>
+                          </m:r>
+                        </m:sub>
+                      </m:sSub>
+                    </m:oMath>
+                  </m:oMathPara>
+                </a14:m>
+                <a:endParaRPr lang="en-GB" dirty="0"/>
+              </a:p>
+            </p:txBody>
+          </p:sp>
+        </mc:Choice>
+        <mc:Fallback xmlns="">
+          <p:sp>
+            <p:nvSpPr>
+              <p:cNvPr id="7" name="Rectangle 6">
+                <a:extLst>
+                  <a:ext uri="{FF2B5EF4-FFF2-40B4-BE49-F238E27FC236}">
+                    <a16:creationId xmlns:a16="http://schemas.microsoft.com/office/drawing/2014/main" id="{E9C1D9B0-BCB3-4D8C-AF5B-59023F559204}"/>
+                  </a:ext>
+                </a:extLst>
+              </p:cNvPr>
+              <p:cNvSpPr>
+                <a:spLocks noRot="1" noChangeAspect="1" noMove="1" noResize="1" noEditPoints="1" noAdjustHandles="1" noChangeArrowheads="1" noChangeShapeType="1" noTextEdit="1"/>
+              </p:cNvSpPr>
+              <p:nvPr/>
+            </p:nvSpPr>
+            <p:spPr>
+              <a:xfrm>
+                <a:off x="6510293" y="2866007"/>
+                <a:ext cx="1633491" cy="1125986"/>
+              </a:xfrm>
+              <a:prstGeom prst="rect">
+                <a:avLst/>
+              </a:prstGeom>
+              <a:blipFill>
+                <a:blip r:embed="rId5"/>
+                <a:stretch>
+                  <a:fillRect/>
+                </a:stretch>
+              </a:blipFill>
+            </p:spPr>
+            <p:txBody>
+              <a:bodyPr/>
+              <a:lstStyle/>
+              <a:p>
+                <a:r>
+                  <a:rPr lang="en-GB">
+                    <a:noFill/>
+                  </a:rPr>
+                  <a:t> </a:t>
+                </a:r>
+              </a:p>
+            </p:txBody>
+          </p:sp>
+        </mc:Fallback>
+      </mc:AlternateContent>
+      <p:sp>
+        <p:nvSpPr>
+          <p:cNvPr id="8" name="Rectangle 7">
+            <a:extLst>
+              <a:ext uri="{FF2B5EF4-FFF2-40B4-BE49-F238E27FC236}">
+                <a16:creationId xmlns:a16="http://schemas.microsoft.com/office/drawing/2014/main" id="{CCDEC81C-38E4-44DD-BB0D-D7533CCD2687}"/>
+              </a:ext>
+            </a:extLst>
+          </p:cNvPr>
+          <p:cNvSpPr/>
+          <p:nvPr/>
+        </p:nvSpPr>
+        <p:spPr>
+          <a:xfrm>
+            <a:off x="5344357" y="1624614"/>
+            <a:ext cx="337352" cy="1633491"/>
+          </a:xfrm>
+          <a:prstGeom prst="rect">
+            <a:avLst/>
+          </a:prstGeom>
+        </p:spPr>
+        <p:style>
+          <a:lnRef idx="2">
+            <a:schemeClr val="accent4">
+              <a:shade val="50000"/>
+            </a:schemeClr>
+          </a:lnRef>
+          <a:fillRef idx="1">
+            <a:schemeClr val="accent4"/>
+          </a:fillRef>
+          <a:effectRef idx="0">
+            <a:schemeClr val="accent4"/>
+          </a:effectRef>
+          <a:fontRef idx="minor">
+            <a:schemeClr val="lt1"/>
+          </a:fontRef>
+        </p:style>
+        <p:txBody>
+          <a:bodyPr rtlCol="0" anchor="ctr"/>
+          <a:lstStyle/>
+          <a:p>
+            <a:pPr algn="ctr"/>
+            <a:endParaRPr lang="en-GB"/>
+          </a:p>
+        </p:txBody>
+      </p:sp>
+      <p:sp>
+        <p:nvSpPr>
+          <p:cNvPr id="9" name="Arrow: Right 8">
+            <a:extLst>
+              <a:ext uri="{FF2B5EF4-FFF2-40B4-BE49-F238E27FC236}">
+                <a16:creationId xmlns:a16="http://schemas.microsoft.com/office/drawing/2014/main" id="{278AD1D5-6ACC-4445-9F05-FF700FA5C933}"/>
+              </a:ext>
+            </a:extLst>
+          </p:cNvPr>
+          <p:cNvSpPr/>
+          <p:nvPr/>
+        </p:nvSpPr>
+        <p:spPr>
+          <a:xfrm rot="2238027">
+            <a:off x="4731798" y="1260629"/>
+            <a:ext cx="541538" cy="363985"/>
+          </a:xfrm>
+          <a:prstGeom prst="rightArrow">
+            <a:avLst/>
+          </a:prstGeom>
+        </p:spPr>
+        <p:style>
+          <a:lnRef idx="2">
+            <a:schemeClr val="dk1">
+              <a:shade val="50000"/>
+            </a:schemeClr>
+          </a:lnRef>
+          <a:fillRef idx="1">
+            <a:schemeClr val="dk1"/>
+          </a:fillRef>
+          <a:effectRef idx="0">
+            <a:schemeClr val="dk1"/>
+          </a:effectRef>
+          <a:fontRef idx="minor">
+            <a:schemeClr val="lt1"/>
+          </a:fontRef>
+        </p:style>
+        <p:txBody>
+          <a:bodyPr rtlCol="0" anchor="ctr"/>
+          <a:lstStyle/>
+          <a:p>
+            <a:pPr algn="ctr"/>
+            <a:endParaRPr lang="en-GB"/>
+          </a:p>
+        </p:txBody>
+      </p:sp>
+      <p:sp>
+        <p:nvSpPr>
+          <p:cNvPr id="10" name="Arrow: Right 9">
+            <a:extLst>
+              <a:ext uri="{FF2B5EF4-FFF2-40B4-BE49-F238E27FC236}">
+                <a16:creationId xmlns:a16="http://schemas.microsoft.com/office/drawing/2014/main" id="{38F160FD-1EAD-4031-A02E-BCAB9CFC33D0}"/>
+              </a:ext>
+            </a:extLst>
+          </p:cNvPr>
+          <p:cNvSpPr/>
+          <p:nvPr/>
+        </p:nvSpPr>
+        <p:spPr>
+          <a:xfrm rot="19017427">
+            <a:off x="4665639" y="3076112"/>
+            <a:ext cx="541538" cy="363985"/>
+          </a:xfrm>
+          <a:prstGeom prst="rightArrow">
+            <a:avLst/>
+          </a:prstGeom>
+        </p:spPr>
+        <p:style>
+          <a:lnRef idx="2">
+            <a:schemeClr val="dk1">
+              <a:shade val="50000"/>
+            </a:schemeClr>
+          </a:lnRef>
+          <a:fillRef idx="1">
+            <a:schemeClr val="dk1"/>
+          </a:fillRef>
+          <a:effectRef idx="0">
+            <a:schemeClr val="dk1"/>
+          </a:effectRef>
+          <a:fontRef idx="minor">
+            <a:schemeClr val="lt1"/>
+          </a:fontRef>
+        </p:style>
+        <p:txBody>
+          <a:bodyPr rtlCol="0" anchor="ctr"/>
+          <a:lstStyle/>
+          <a:p>
+            <a:pPr algn="ctr"/>
+            <a:endParaRPr lang="en-GB"/>
+          </a:p>
+        </p:txBody>
+      </p:sp>
+      <p:sp>
+        <p:nvSpPr>
+          <p:cNvPr id="11" name="Arrow: Right 10">
+            <a:extLst>
+              <a:ext uri="{FF2B5EF4-FFF2-40B4-BE49-F238E27FC236}">
+                <a16:creationId xmlns:a16="http://schemas.microsoft.com/office/drawing/2014/main" id="{B0A080C1-2095-46F4-BCD6-4BD9C8CE01BB}"/>
+              </a:ext>
+            </a:extLst>
+          </p:cNvPr>
+          <p:cNvSpPr/>
+          <p:nvPr/>
+        </p:nvSpPr>
+        <p:spPr>
+          <a:xfrm rot="19017427">
+            <a:off x="5759258" y="1251663"/>
+            <a:ext cx="541538" cy="363985"/>
+          </a:xfrm>
+          <a:prstGeom prst="rightArrow">
+            <a:avLst/>
+          </a:prstGeom>
+        </p:spPr>
+        <p:style>
+          <a:lnRef idx="2">
+            <a:schemeClr val="dk1">
+              <a:shade val="50000"/>
+            </a:schemeClr>
+          </a:lnRef>
+          <a:fillRef idx="1">
+            <a:schemeClr val="dk1"/>
+          </a:fillRef>
+          <a:effectRef idx="0">
+            <a:schemeClr val="dk1"/>
+          </a:effectRef>
+          <a:fontRef idx="minor">
+            <a:schemeClr val="lt1"/>
+          </a:fontRef>
+        </p:style>
+        <p:txBody>
+          <a:bodyPr rtlCol="0" anchor="ctr"/>
+          <a:lstStyle/>
+          <a:p>
+            <a:pPr algn="ctr"/>
+            <a:endParaRPr lang="en-GB"/>
+          </a:p>
+        </p:txBody>
+      </p:sp>
+      <p:sp>
+        <p:nvSpPr>
+          <p:cNvPr id="12" name="Arrow: Right 11">
+            <a:extLst>
+              <a:ext uri="{FF2B5EF4-FFF2-40B4-BE49-F238E27FC236}">
+                <a16:creationId xmlns:a16="http://schemas.microsoft.com/office/drawing/2014/main" id="{8A23EB31-6495-47DC-A2E6-CAD94C0D2A03}"/>
+              </a:ext>
+            </a:extLst>
+          </p:cNvPr>
+          <p:cNvSpPr/>
+          <p:nvPr/>
+        </p:nvSpPr>
+        <p:spPr>
+          <a:xfrm rot="2238027">
+            <a:off x="5825231" y="3085080"/>
+            <a:ext cx="541538" cy="363985"/>
+          </a:xfrm>
+          <a:prstGeom prst="rightArrow">
+            <a:avLst/>
+          </a:prstGeom>
+        </p:spPr>
+        <p:style>
+          <a:lnRef idx="2">
+            <a:schemeClr val="dk1">
+              <a:shade val="50000"/>
+            </a:schemeClr>
+          </a:lnRef>
+          <a:fillRef idx="1">
+            <a:schemeClr val="dk1"/>
+          </a:fillRef>
+          <a:effectRef idx="0">
+            <a:schemeClr val="dk1"/>
+          </a:effectRef>
+          <a:fontRef idx="minor">
+            <a:schemeClr val="lt1"/>
+          </a:fontRef>
+        </p:style>
+        <p:txBody>
+          <a:bodyPr rtlCol="0" anchor="ctr"/>
+          <a:lstStyle/>
+          <a:p>
+            <a:pPr algn="ctr"/>
+            <a:endParaRPr lang="en-GB"/>
+          </a:p>
+        </p:txBody>
+      </p:sp>
+      <p:sp>
+        <p:nvSpPr>
+          <p:cNvPr id="13" name="Rectangle 12">
+            <a:extLst>
+              <a:ext uri="{FF2B5EF4-FFF2-40B4-BE49-F238E27FC236}">
+                <a16:creationId xmlns:a16="http://schemas.microsoft.com/office/drawing/2014/main" id="{F0C46BD7-FDA8-4F3F-82DE-C97F6B366457}"/>
+              </a:ext>
+            </a:extLst>
+          </p:cNvPr>
+          <p:cNvSpPr/>
+          <p:nvPr/>
+        </p:nvSpPr>
+        <p:spPr>
+          <a:xfrm>
+            <a:off x="931335" y="791592"/>
+            <a:ext cx="1239913" cy="1125986"/>
+          </a:xfrm>
+          <a:prstGeom prst="rect">
+            <a:avLst/>
+          </a:prstGeom>
+        </p:spPr>
+        <p:style>
+          <a:lnRef idx="2">
+            <a:schemeClr val="accent3">
+              <a:shade val="50000"/>
+            </a:schemeClr>
+          </a:lnRef>
+          <a:fillRef idx="1">
+            <a:schemeClr val="accent3"/>
+          </a:fillRef>
+          <a:effectRef idx="0">
+            <a:schemeClr val="accent3"/>
+          </a:effectRef>
+          <a:fontRef idx="minor">
+            <a:schemeClr val="lt1"/>
+          </a:fontRef>
+        </p:style>
+        <p:txBody>
+          <a:bodyPr rtlCol="0" anchor="ctr"/>
+          <a:lstStyle/>
+          <a:p>
+            <a:pPr algn="ctr"/>
+            <a:endParaRPr lang="en-GB"/>
+          </a:p>
+        </p:txBody>
+      </p:sp>
+      <p:sp>
+        <p:nvSpPr>
+          <p:cNvPr id="14" name="Rectangle 13">
+            <a:extLst>
+              <a:ext uri="{FF2B5EF4-FFF2-40B4-BE49-F238E27FC236}">
+                <a16:creationId xmlns:a16="http://schemas.microsoft.com/office/drawing/2014/main" id="{0F3028F7-C114-4330-ADAA-089D1BA49100}"/>
+              </a:ext>
+            </a:extLst>
+          </p:cNvPr>
+          <p:cNvSpPr/>
+          <p:nvPr/>
+        </p:nvSpPr>
+        <p:spPr>
+          <a:xfrm>
+            <a:off x="931334" y="2866007"/>
+            <a:ext cx="1239913" cy="1125986"/>
+          </a:xfrm>
+          <a:prstGeom prst="rect">
+            <a:avLst/>
+          </a:prstGeom>
+        </p:spPr>
+        <p:style>
+          <a:lnRef idx="2">
+            <a:schemeClr val="accent3">
+              <a:shade val="50000"/>
+            </a:schemeClr>
+          </a:lnRef>
+          <a:fillRef idx="1">
+            <a:schemeClr val="accent3"/>
+          </a:fillRef>
+          <a:effectRef idx="0">
+            <a:schemeClr val="accent3"/>
+          </a:effectRef>
+          <a:fontRef idx="minor">
+            <a:schemeClr val="lt1"/>
+          </a:fontRef>
+        </p:style>
+        <p:txBody>
+          <a:bodyPr rtlCol="0" anchor="ctr"/>
+          <a:lstStyle/>
+          <a:p>
+            <a:pPr algn="ctr"/>
+            <a:endParaRPr lang="en-GB"/>
+          </a:p>
+        </p:txBody>
+      </p:sp>
+      <p:sp>
+        <p:nvSpPr>
+          <p:cNvPr id="15" name="Rectangle 14">
+            <a:extLst>
+              <a:ext uri="{FF2B5EF4-FFF2-40B4-BE49-F238E27FC236}">
+                <a16:creationId xmlns:a16="http://schemas.microsoft.com/office/drawing/2014/main" id="{AB43685E-3C11-4C7E-9DE5-A308D54F6A08}"/>
+              </a:ext>
+            </a:extLst>
+          </p:cNvPr>
+          <p:cNvSpPr/>
+          <p:nvPr/>
+        </p:nvSpPr>
+        <p:spPr>
+          <a:xfrm>
+            <a:off x="8787558" y="791592"/>
+            <a:ext cx="1239913" cy="1125986"/>
+          </a:xfrm>
+          <a:prstGeom prst="rect">
+            <a:avLst/>
+          </a:prstGeom>
+        </p:spPr>
+        <p:style>
+          <a:lnRef idx="2">
+            <a:schemeClr val="accent3">
+              <a:shade val="50000"/>
+            </a:schemeClr>
+          </a:lnRef>
+          <a:fillRef idx="1">
+            <a:schemeClr val="accent3"/>
+          </a:fillRef>
+          <a:effectRef idx="0">
+            <a:schemeClr val="accent3"/>
+          </a:effectRef>
+          <a:fontRef idx="minor">
+            <a:schemeClr val="lt1"/>
+          </a:fontRef>
+        </p:style>
+        <p:txBody>
+          <a:bodyPr rtlCol="0" anchor="ctr"/>
+          <a:lstStyle/>
+          <a:p>
+            <a:pPr algn="ctr"/>
+            <a:endParaRPr lang="en-GB"/>
+          </a:p>
+        </p:txBody>
+      </p:sp>
+      <p:sp>
+        <p:nvSpPr>
+          <p:cNvPr id="16" name="Rectangle 15">
+            <a:extLst>
+              <a:ext uri="{FF2B5EF4-FFF2-40B4-BE49-F238E27FC236}">
+                <a16:creationId xmlns:a16="http://schemas.microsoft.com/office/drawing/2014/main" id="{46396BC7-80A4-4AF4-995D-B7FDD1C3DD35}"/>
+              </a:ext>
+            </a:extLst>
+          </p:cNvPr>
+          <p:cNvSpPr/>
+          <p:nvPr/>
+        </p:nvSpPr>
+        <p:spPr>
+          <a:xfrm>
+            <a:off x="8793558" y="2866007"/>
+            <a:ext cx="1239913" cy="1125986"/>
+          </a:xfrm>
+          <a:prstGeom prst="rect">
+            <a:avLst/>
+          </a:prstGeom>
+        </p:spPr>
+        <p:style>
+          <a:lnRef idx="2">
+            <a:schemeClr val="accent3">
+              <a:shade val="50000"/>
+            </a:schemeClr>
+          </a:lnRef>
+          <a:fillRef idx="1">
+            <a:schemeClr val="accent3"/>
+          </a:fillRef>
+          <a:effectRef idx="0">
+            <a:schemeClr val="accent3"/>
+          </a:effectRef>
+          <a:fontRef idx="minor">
+            <a:schemeClr val="lt1"/>
+          </a:fontRef>
+        </p:style>
+        <p:txBody>
+          <a:bodyPr rtlCol="0" anchor="ctr"/>
+          <a:lstStyle/>
+          <a:p>
+            <a:pPr algn="ctr"/>
+            <a:endParaRPr lang="en-GB"/>
+          </a:p>
+        </p:txBody>
+      </p:sp>
+      <p:sp>
+        <p:nvSpPr>
+          <p:cNvPr id="17" name="Arrow: Right 16">
+            <a:extLst>
+              <a:ext uri="{FF2B5EF4-FFF2-40B4-BE49-F238E27FC236}">
+                <a16:creationId xmlns:a16="http://schemas.microsoft.com/office/drawing/2014/main" id="{4E7FA821-81A1-4065-9C45-C65A62A39D10}"/>
+              </a:ext>
+            </a:extLst>
+          </p:cNvPr>
+          <p:cNvSpPr/>
+          <p:nvPr/>
+        </p:nvSpPr>
+        <p:spPr>
+          <a:xfrm>
+            <a:off x="2339796" y="1278384"/>
+            <a:ext cx="402242" cy="275208"/>
+          </a:xfrm>
+          <a:prstGeom prst="rightArrow">
+            <a:avLst/>
+          </a:prstGeom>
+        </p:spPr>
+        <p:style>
+          <a:lnRef idx="2">
+            <a:schemeClr val="dk1">
+              <a:shade val="50000"/>
+            </a:schemeClr>
+          </a:lnRef>
+          <a:fillRef idx="1">
+            <a:schemeClr val="dk1"/>
+          </a:fillRef>
+          <a:effectRef idx="0">
+            <a:schemeClr val="dk1"/>
+          </a:effectRef>
+          <a:fontRef idx="minor">
+            <a:schemeClr val="lt1"/>
+          </a:fontRef>
+        </p:style>
+        <p:txBody>
+          <a:bodyPr rtlCol="0" anchor="ctr"/>
+          <a:lstStyle/>
+          <a:p>
+            <a:pPr algn="ctr"/>
+            <a:endParaRPr lang="en-GB"/>
+          </a:p>
+        </p:txBody>
+      </p:sp>
+      <p:sp>
+        <p:nvSpPr>
+          <p:cNvPr id="18" name="Arrow: Right 17">
+            <a:extLst>
+              <a:ext uri="{FF2B5EF4-FFF2-40B4-BE49-F238E27FC236}">
+                <a16:creationId xmlns:a16="http://schemas.microsoft.com/office/drawing/2014/main" id="{36D9A2CD-8096-49C5-B49D-7B5E144F7CF1}"/>
+              </a:ext>
+            </a:extLst>
+          </p:cNvPr>
+          <p:cNvSpPr/>
+          <p:nvPr/>
+        </p:nvSpPr>
+        <p:spPr>
+          <a:xfrm>
+            <a:off x="2298118" y="3300717"/>
+            <a:ext cx="402242" cy="275208"/>
+          </a:xfrm>
+          <a:prstGeom prst="rightArrow">
+            <a:avLst/>
+          </a:prstGeom>
+        </p:spPr>
+        <p:style>
+          <a:lnRef idx="2">
+            <a:schemeClr val="dk1">
+              <a:shade val="50000"/>
+            </a:schemeClr>
+          </a:lnRef>
+          <a:fillRef idx="1">
+            <a:schemeClr val="dk1"/>
+          </a:fillRef>
+          <a:effectRef idx="0">
+            <a:schemeClr val="dk1"/>
+          </a:effectRef>
+          <a:fontRef idx="minor">
+            <a:schemeClr val="lt1"/>
+          </a:fontRef>
+        </p:style>
+        <p:txBody>
+          <a:bodyPr rtlCol="0" anchor="ctr"/>
+          <a:lstStyle/>
+          <a:p>
+            <a:pPr algn="ctr"/>
+            <a:endParaRPr lang="en-GB"/>
+          </a:p>
+        </p:txBody>
+      </p:sp>
+      <p:sp>
+        <p:nvSpPr>
+          <p:cNvPr id="19" name="Arrow: Right 18">
+            <a:extLst>
+              <a:ext uri="{FF2B5EF4-FFF2-40B4-BE49-F238E27FC236}">
+                <a16:creationId xmlns:a16="http://schemas.microsoft.com/office/drawing/2014/main" id="{104E8FF1-16F1-4F25-A102-7D0D2AB67463}"/>
+              </a:ext>
+            </a:extLst>
+          </p:cNvPr>
+          <p:cNvSpPr/>
+          <p:nvPr/>
+        </p:nvSpPr>
+        <p:spPr>
+          <a:xfrm>
+            <a:off x="8235090" y="1296051"/>
+            <a:ext cx="402242" cy="275208"/>
+          </a:xfrm>
+          <a:prstGeom prst="rightArrow">
+            <a:avLst/>
+          </a:prstGeom>
+        </p:spPr>
+        <p:style>
+          <a:lnRef idx="2">
+            <a:schemeClr val="dk1">
+              <a:shade val="50000"/>
+            </a:schemeClr>
+          </a:lnRef>
+          <a:fillRef idx="1">
+            <a:schemeClr val="dk1"/>
+          </a:fillRef>
+          <a:effectRef idx="0">
+            <a:schemeClr val="dk1"/>
+          </a:effectRef>
+          <a:fontRef idx="minor">
+            <a:schemeClr val="lt1"/>
+          </a:fontRef>
+        </p:style>
+        <p:txBody>
+          <a:bodyPr rtlCol="0" anchor="ctr"/>
+          <a:lstStyle/>
+          <a:p>
+            <a:pPr algn="ctr"/>
+            <a:endParaRPr lang="en-GB"/>
+          </a:p>
+        </p:txBody>
+      </p:sp>
+      <p:sp>
+        <p:nvSpPr>
+          <p:cNvPr id="20" name="Arrow: Right 19">
+            <a:extLst>
+              <a:ext uri="{FF2B5EF4-FFF2-40B4-BE49-F238E27FC236}">
+                <a16:creationId xmlns:a16="http://schemas.microsoft.com/office/drawing/2014/main" id="{70A82386-2AD6-4673-B66F-2B8B2DB4E4F8}"/>
+              </a:ext>
+            </a:extLst>
+          </p:cNvPr>
+          <p:cNvSpPr/>
+          <p:nvPr/>
+        </p:nvSpPr>
+        <p:spPr>
+          <a:xfrm>
+            <a:off x="8269613" y="3300717"/>
+            <a:ext cx="402242" cy="275208"/>
+          </a:xfrm>
+          <a:prstGeom prst="rightArrow">
+            <a:avLst/>
+          </a:prstGeom>
+        </p:spPr>
+        <p:style>
+          <a:lnRef idx="2">
+            <a:schemeClr val="dk1">
+              <a:shade val="50000"/>
+            </a:schemeClr>
+          </a:lnRef>
+          <a:fillRef idx="1">
+            <a:schemeClr val="dk1"/>
+          </a:fillRef>
+          <a:effectRef idx="0">
+            <a:schemeClr val="dk1"/>
+          </a:effectRef>
+          <a:fontRef idx="minor">
+            <a:schemeClr val="lt1"/>
+          </a:fontRef>
+        </p:style>
+        <p:txBody>
+          <a:bodyPr rtlCol="0" anchor="ctr"/>
+          <a:lstStyle/>
+          <a:p>
+            <a:pPr algn="ctr"/>
+            <a:endParaRPr lang="en-GB"/>
+          </a:p>
+        </p:txBody>
+      </p:sp>
+      <p:pic>
+        <p:nvPicPr>
+          <p:cNvPr id="22" name="Picture 21">
+            <a:extLst>
+              <a:ext uri="{FF2B5EF4-FFF2-40B4-BE49-F238E27FC236}">
+                <a16:creationId xmlns:a16="http://schemas.microsoft.com/office/drawing/2014/main" id="{3EAD4581-9199-4ACE-B44A-3982790D69FF}"/>
+              </a:ext>
+            </a:extLst>
+          </p:cNvPr>
+          <p:cNvPicPr>
+            <a:picLocks noChangeAspect="1"/>
+          </p:cNvPicPr>
+          <p:nvPr/>
+        </p:nvPicPr>
+        <p:blipFill rotWithShape="1">
+          <a:blip r:embed="rId6">
+            <a:extLst>
+              <a:ext uri="{28A0092B-C50C-407E-A947-70E740481C1C}">
+                <a14:useLocalDpi xmlns:a14="http://schemas.microsoft.com/office/drawing/2010/main" val="0"/>
+              </a:ext>
+            </a:extLst>
+          </a:blip>
+          <a:srcRect r="31771"/>
+          <a:stretch/>
+        </p:blipFill>
+        <p:spPr>
+          <a:xfrm>
+            <a:off x="931334" y="2858226"/>
+            <a:ext cx="1233195" cy="1133767"/>
+          </a:xfrm>
+          <a:prstGeom prst="rect">
+            <a:avLst/>
+          </a:prstGeom>
+        </p:spPr>
+      </p:pic>
+      <p:pic>
+        <p:nvPicPr>
+          <p:cNvPr id="23" name="Picture 22">
+            <a:extLst>
+              <a:ext uri="{FF2B5EF4-FFF2-40B4-BE49-F238E27FC236}">
+                <a16:creationId xmlns:a16="http://schemas.microsoft.com/office/drawing/2014/main" id="{BF491876-185B-47D9-A500-F207FC88AD5B}"/>
+              </a:ext>
+            </a:extLst>
+          </p:cNvPr>
+          <p:cNvPicPr>
+            <a:picLocks noChangeAspect="1"/>
+          </p:cNvPicPr>
+          <p:nvPr/>
+        </p:nvPicPr>
+        <p:blipFill rotWithShape="1">
+          <a:blip r:embed="rId6">
+            <a:extLst>
+              <a:ext uri="{28A0092B-C50C-407E-A947-70E740481C1C}">
+                <a14:useLocalDpi xmlns:a14="http://schemas.microsoft.com/office/drawing/2010/main" val="0"/>
+              </a:ext>
+            </a:extLst>
+          </a:blip>
+          <a:srcRect r="31771"/>
+          <a:stretch/>
+        </p:blipFill>
+        <p:spPr>
+          <a:xfrm>
+            <a:off x="8806949" y="2858225"/>
+            <a:ext cx="1233195" cy="1133767"/>
+          </a:xfrm>
+          <a:prstGeom prst="rect">
+            <a:avLst/>
+          </a:prstGeom>
+        </p:spPr>
+      </p:pic>
+      <p:pic>
+        <p:nvPicPr>
+          <p:cNvPr id="25" name="Picture 24">
+            <a:extLst>
+              <a:ext uri="{FF2B5EF4-FFF2-40B4-BE49-F238E27FC236}">
+                <a16:creationId xmlns:a16="http://schemas.microsoft.com/office/drawing/2014/main" id="{BBE36001-6E17-4511-A25A-471A3F5656E9}"/>
+              </a:ext>
+            </a:extLst>
+          </p:cNvPr>
+          <p:cNvPicPr>
+            <a:picLocks noChangeAspect="1"/>
+          </p:cNvPicPr>
+          <p:nvPr/>
+        </p:nvPicPr>
+        <p:blipFill rotWithShape="1">
+          <a:blip r:embed="rId7">
+            <a:extLst>
+              <a:ext uri="{28A0092B-C50C-407E-A947-70E740481C1C}">
+                <a14:useLocalDpi xmlns:a14="http://schemas.microsoft.com/office/drawing/2010/main" val="0"/>
+              </a:ext>
+            </a:extLst>
+          </a:blip>
+          <a:srcRect t="10462" b="34881"/>
+          <a:stretch/>
+        </p:blipFill>
+        <p:spPr>
+          <a:xfrm>
+            <a:off x="920610" y="791592"/>
+            <a:ext cx="1233195" cy="1133767"/>
+          </a:xfrm>
+          <a:prstGeom prst="rect">
+            <a:avLst/>
+          </a:prstGeom>
+        </p:spPr>
+      </p:pic>
+      <p:pic>
+        <p:nvPicPr>
+          <p:cNvPr id="26" name="Picture 25">
+            <a:extLst>
+              <a:ext uri="{FF2B5EF4-FFF2-40B4-BE49-F238E27FC236}">
+                <a16:creationId xmlns:a16="http://schemas.microsoft.com/office/drawing/2014/main" id="{76F77038-0B72-4441-8E96-EEC835FF6F33}"/>
+              </a:ext>
+            </a:extLst>
+          </p:cNvPr>
+          <p:cNvPicPr>
+            <a:picLocks noChangeAspect="1"/>
+          </p:cNvPicPr>
+          <p:nvPr/>
+        </p:nvPicPr>
+        <p:blipFill rotWithShape="1">
+          <a:blip r:embed="rId7">
+            <a:extLst>
+              <a:ext uri="{28A0092B-C50C-407E-A947-70E740481C1C}">
+                <a14:useLocalDpi xmlns:a14="http://schemas.microsoft.com/office/drawing/2010/main" val="0"/>
+              </a:ext>
+            </a:extLst>
+          </a:blip>
+          <a:srcRect t="10462" b="34881"/>
+          <a:stretch/>
+        </p:blipFill>
+        <p:spPr>
+          <a:xfrm>
+            <a:off x="8794276" y="783811"/>
+            <a:ext cx="1233195" cy="1133767"/>
+          </a:xfrm>
+          <a:prstGeom prst="rect">
+            <a:avLst/>
+          </a:prstGeom>
+        </p:spPr>
+      </p:pic>
+      <p:cxnSp>
+        <p:nvCxnSpPr>
+          <p:cNvPr id="3" name="Straight Arrow Connector 2">
+            <a:extLst>
+              <a:ext uri="{FF2B5EF4-FFF2-40B4-BE49-F238E27FC236}">
+                <a16:creationId xmlns:a16="http://schemas.microsoft.com/office/drawing/2014/main" id="{D4A80FF5-3229-472B-9766-32EE03701B9E}"/>
+              </a:ext>
+            </a:extLst>
+          </p:cNvPr>
+          <p:cNvCxnSpPr/>
+          <p:nvPr/>
+        </p:nvCxnSpPr>
+        <p:spPr>
+          <a:xfrm>
+            <a:off x="2298118" y="1411550"/>
+            <a:ext cx="2735521" cy="0"/>
+          </a:xfrm>
+          <a:prstGeom prst="straightConnector1">
+            <a:avLst/>
+          </a:prstGeom>
+          <a:ln w="76200">
+            <a:solidFill>
+              <a:srgbClr val="FF0000"/>
+            </a:solidFill>
+            <a:tailEnd type="triangle"/>
+          </a:ln>
+        </p:spPr>
+        <p:style>
+          <a:lnRef idx="1">
+            <a:schemeClr val="accent4"/>
+          </a:lnRef>
+          <a:fillRef idx="0">
+            <a:schemeClr val="accent4"/>
+          </a:fillRef>
+          <a:effectRef idx="0">
+            <a:schemeClr val="accent4"/>
+          </a:effectRef>
+          <a:fontRef idx="minor">
+            <a:schemeClr val="tx1"/>
+          </a:fontRef>
+        </p:style>
+      </p:cxnSp>
+      <p:cxnSp>
+        <p:nvCxnSpPr>
+          <p:cNvPr id="24" name="Straight Arrow Connector 23">
+            <a:extLst>
+              <a:ext uri="{FF2B5EF4-FFF2-40B4-BE49-F238E27FC236}">
+                <a16:creationId xmlns:a16="http://schemas.microsoft.com/office/drawing/2014/main" id="{73996298-09EB-48E8-A417-6C8D2B07F228}"/>
+              </a:ext>
+            </a:extLst>
+          </p:cNvPr>
+          <p:cNvCxnSpPr/>
+          <p:nvPr/>
+        </p:nvCxnSpPr>
+        <p:spPr>
+          <a:xfrm>
+            <a:off x="2204598" y="3316696"/>
+            <a:ext cx="3053918" cy="0"/>
+          </a:xfrm>
+          <a:prstGeom prst="straightConnector1">
+            <a:avLst/>
+          </a:prstGeom>
+          <a:ln w="76200">
+            <a:solidFill>
+              <a:srgbClr val="FF0000"/>
+            </a:solidFill>
+            <a:tailEnd type="triangle"/>
+          </a:ln>
+        </p:spPr>
+        <p:style>
+          <a:lnRef idx="1">
+            <a:schemeClr val="accent1"/>
+          </a:lnRef>
+          <a:fillRef idx="0">
+            <a:schemeClr val="accent1"/>
+          </a:fillRef>
+          <a:effectRef idx="0">
+            <a:schemeClr val="accent1"/>
+          </a:effectRef>
+          <a:fontRef idx="minor">
+            <a:schemeClr val="tx1"/>
+          </a:fontRef>
+        </p:style>
+      </p:cxnSp>
+      <p:cxnSp>
+        <p:nvCxnSpPr>
+          <p:cNvPr id="27" name="Straight Arrow Connector 26">
+            <a:extLst>
+              <a:ext uri="{FF2B5EF4-FFF2-40B4-BE49-F238E27FC236}">
+                <a16:creationId xmlns:a16="http://schemas.microsoft.com/office/drawing/2014/main" id="{08AA70A9-579E-4D66-B8E0-3C7B430F0A75}"/>
+              </a:ext>
+            </a:extLst>
+          </p:cNvPr>
+          <p:cNvCxnSpPr/>
+          <p:nvPr/>
+        </p:nvCxnSpPr>
+        <p:spPr>
+          <a:xfrm>
+            <a:off x="6127072" y="3346585"/>
+            <a:ext cx="3053918" cy="0"/>
+          </a:xfrm>
+          <a:prstGeom prst="straightConnector1">
+            <a:avLst/>
+          </a:prstGeom>
+          <a:ln w="76200">
+            <a:solidFill>
+              <a:srgbClr val="FF0000"/>
+            </a:solidFill>
+            <a:tailEnd type="triangle"/>
+          </a:ln>
+        </p:spPr>
+        <p:style>
+          <a:lnRef idx="1">
+            <a:schemeClr val="accent1"/>
+          </a:lnRef>
+          <a:fillRef idx="0">
+            <a:schemeClr val="accent1"/>
+          </a:fillRef>
+          <a:effectRef idx="0">
+            <a:schemeClr val="accent1"/>
+          </a:effectRef>
+          <a:fontRef idx="minor">
+            <a:schemeClr val="tx1"/>
+          </a:fontRef>
+        </p:style>
+      </p:cxnSp>
+      <p:sp>
+        <p:nvSpPr>
+          <p:cNvPr id="28" name="Oval 27">
+            <a:extLst>
+              <a:ext uri="{FF2B5EF4-FFF2-40B4-BE49-F238E27FC236}">
+                <a16:creationId xmlns:a16="http://schemas.microsoft.com/office/drawing/2014/main" id="{1B1B19E8-FB30-4A14-8A53-2B324EF9F430}"/>
+              </a:ext>
+            </a:extLst>
+          </p:cNvPr>
+          <p:cNvSpPr/>
+          <p:nvPr/>
+        </p:nvSpPr>
+        <p:spPr>
+          <a:xfrm>
+            <a:off x="3080551" y="783811"/>
+            <a:ext cx="568171" cy="485697"/>
+          </a:xfrm>
+          <a:prstGeom prst="ellipse">
+            <a:avLst/>
+          </a:prstGeom>
+        </p:spPr>
+        <p:style>
+          <a:lnRef idx="2">
+            <a:schemeClr val="accent4">
+              <a:shade val="50000"/>
+            </a:schemeClr>
+          </a:lnRef>
+          <a:fillRef idx="1">
+            <a:schemeClr val="accent4"/>
+          </a:fillRef>
+          <a:effectRef idx="0">
+            <a:schemeClr val="accent4"/>
+          </a:effectRef>
+          <a:fontRef idx="minor">
+            <a:schemeClr val="lt1"/>
+          </a:fontRef>
+        </p:style>
+        <p:txBody>
+          <a:bodyPr rtlCol="0" anchor="ctr"/>
+          <a:lstStyle/>
+          <a:p>
+            <a:pPr algn="ctr"/>
+            <a:r>
+              <a:rPr lang="en-US" dirty="0">
+                <a:ln w="0"/>
+                <a:solidFill>
+                  <a:schemeClr val="tx1"/>
+                </a:solidFill>
+                <a:effectLst>
+                  <a:outerShdw blurRad="38100" dist="19050" dir="2700000" algn="tl" rotWithShape="0">
+                    <a:schemeClr val="dk1">
+                      <a:alpha val="40000"/>
+                    </a:schemeClr>
+                  </a:outerShdw>
+                </a:effectLst>
+              </a:rPr>
+              <a:t>1</a:t>
+            </a:r>
+            <a:endParaRPr lang="en-GB" dirty="0">
+              <a:ln w="0"/>
+              <a:solidFill>
+                <a:schemeClr val="tx1"/>
+              </a:solidFill>
+              <a:effectLst>
+                <a:outerShdw blurRad="38100" dist="19050" dir="2700000" algn="tl" rotWithShape="0">
+                  <a:schemeClr val="dk1">
+                    <a:alpha val="40000"/>
+                  </a:schemeClr>
+                </a:outerShdw>
+              </a:effectLst>
+            </a:endParaRPr>
+          </a:p>
+        </p:txBody>
+      </p:sp>
+      <p:sp>
+        <p:nvSpPr>
+          <p:cNvPr id="29" name="Oval 28">
+            <a:extLst>
+              <a:ext uri="{FF2B5EF4-FFF2-40B4-BE49-F238E27FC236}">
+                <a16:creationId xmlns:a16="http://schemas.microsoft.com/office/drawing/2014/main" id="{5CDEA72D-0065-4CF0-A8D0-ED512A5CD1CD}"/>
+              </a:ext>
+            </a:extLst>
+          </p:cNvPr>
+          <p:cNvSpPr/>
+          <p:nvPr/>
+        </p:nvSpPr>
+        <p:spPr>
+          <a:xfrm>
+            <a:off x="6894968" y="2715369"/>
+            <a:ext cx="568171" cy="485697"/>
+          </a:xfrm>
+          <a:prstGeom prst="ellipse">
+            <a:avLst/>
+          </a:prstGeom>
+        </p:spPr>
+        <p:style>
+          <a:lnRef idx="2">
+            <a:schemeClr val="accent4">
+              <a:shade val="50000"/>
+            </a:schemeClr>
+          </a:lnRef>
+          <a:fillRef idx="1">
+            <a:schemeClr val="accent4"/>
+          </a:fillRef>
+          <a:effectRef idx="0">
+            <a:schemeClr val="accent4"/>
+          </a:effectRef>
+          <a:fontRef idx="minor">
+            <a:schemeClr val="lt1"/>
+          </a:fontRef>
+        </p:style>
+        <p:txBody>
+          <a:bodyPr rtlCol="0" anchor="ctr"/>
+          <a:lstStyle/>
+          <a:p>
+            <a:pPr algn="ctr"/>
+            <a:r>
+              <a:rPr lang="en-US" dirty="0">
+                <a:ln w="0"/>
+                <a:solidFill>
+                  <a:schemeClr val="tx1"/>
+                </a:solidFill>
+                <a:effectLst>
+                  <a:outerShdw blurRad="38100" dist="19050" dir="2700000" algn="tl" rotWithShape="0">
+                    <a:schemeClr val="dk1">
+                      <a:alpha val="40000"/>
+                    </a:schemeClr>
+                  </a:outerShdw>
+                </a:effectLst>
+              </a:rPr>
+              <a:t>2</a:t>
+            </a:r>
+            <a:endParaRPr lang="en-GB" dirty="0">
+              <a:ln w="0"/>
+              <a:solidFill>
+                <a:schemeClr val="tx1"/>
+              </a:solidFill>
+              <a:effectLst>
+                <a:outerShdw blurRad="38100" dist="19050" dir="2700000" algn="tl" rotWithShape="0">
+                  <a:schemeClr val="dk1">
+                    <a:alpha val="40000"/>
+                  </a:schemeClr>
+                </a:outerShdw>
+              </a:effectLst>
+            </a:endParaRPr>
+          </a:p>
+        </p:txBody>
+      </p:sp>
+      <p:sp>
+        <p:nvSpPr>
+          <p:cNvPr id="30" name="Oval 29">
+            <a:extLst>
+              <a:ext uri="{FF2B5EF4-FFF2-40B4-BE49-F238E27FC236}">
+                <a16:creationId xmlns:a16="http://schemas.microsoft.com/office/drawing/2014/main" id="{348A0FCE-F928-422E-9FA4-DA5F0537E9AB}"/>
+              </a:ext>
+            </a:extLst>
+          </p:cNvPr>
+          <p:cNvSpPr/>
+          <p:nvPr/>
+        </p:nvSpPr>
+        <p:spPr>
+          <a:xfrm>
+            <a:off x="3080550" y="2743777"/>
+            <a:ext cx="568171" cy="485697"/>
+          </a:xfrm>
+          <a:prstGeom prst="ellipse">
+            <a:avLst/>
+          </a:prstGeom>
+        </p:spPr>
+        <p:style>
+          <a:lnRef idx="2">
+            <a:schemeClr val="accent4">
+              <a:shade val="50000"/>
+            </a:schemeClr>
+          </a:lnRef>
+          <a:fillRef idx="1">
+            <a:schemeClr val="accent4"/>
+          </a:fillRef>
+          <a:effectRef idx="0">
+            <a:schemeClr val="accent4"/>
+          </a:effectRef>
+          <a:fontRef idx="minor">
+            <a:schemeClr val="lt1"/>
+          </a:fontRef>
+        </p:style>
+        <p:txBody>
+          <a:bodyPr rtlCol="0" anchor="ctr"/>
+          <a:lstStyle/>
+          <a:p>
+            <a:pPr algn="ctr"/>
+            <a:r>
+              <a:rPr lang="en-US" dirty="0">
+                <a:ln w="0"/>
+                <a:solidFill>
+                  <a:schemeClr val="tx1"/>
+                </a:solidFill>
+                <a:effectLst>
+                  <a:outerShdw blurRad="38100" dist="19050" dir="2700000" algn="tl" rotWithShape="0">
+                    <a:schemeClr val="dk1">
+                      <a:alpha val="40000"/>
+                    </a:schemeClr>
+                  </a:outerShdw>
+                </a:effectLst>
+              </a:rPr>
+              <a:t>3</a:t>
+            </a:r>
+            <a:endParaRPr lang="en-GB" dirty="0">
+              <a:ln w="0"/>
+              <a:solidFill>
+                <a:schemeClr val="tx1"/>
+              </a:solidFill>
+              <a:effectLst>
+                <a:outerShdw blurRad="38100" dist="19050" dir="2700000" algn="tl" rotWithShape="0">
+                  <a:schemeClr val="dk1">
+                    <a:alpha val="40000"/>
+                  </a:schemeClr>
+                </a:outerShdw>
+              </a:effectLst>
+            </a:endParaRPr>
+          </a:p>
+        </p:txBody>
+      </p:sp>
+    </p:spTree>
+    <p:extLst>
+      <p:ext uri="{BB962C8B-B14F-4D97-AF65-F5344CB8AC3E}">
+        <p14:creationId xmlns:p14="http://schemas.microsoft.com/office/powerpoint/2010/main" val="4077185835"/>
       </p:ext>
     </p:extLst>
   </p:cSld>
